--- a/posts/20210319/強化学習.pptx
+++ b/posts/20210319/強化学習.pptx
@@ -104,6 +104,11 @@
       </a:defRPr>
     </a:lvl9pPr>
   </p:defaultTextStyle>
+  <p:extLst>
+    <p:ext uri="{EFAFB233-063F-42B5-8137-9DF3F51BA10A}">
+      <p15:sldGuideLst xmlns:p15="http://schemas.microsoft.com/office/powerpoint/2012/main"/>
+    </p:ext>
+  </p:extLst>
 </p:presentation>
 </file>
 
@@ -254,7 +259,7 @@
           <a:p>
             <a:fld id="{AF7A5BB6-9CDE-2A42-9BB9-F3F2C4AFB5DA}" type="datetimeFigureOut">
               <a:rPr kumimoji="1" lang="ja-JP" altLang="en-US" smtClean="0"/>
-              <a:t>2021/3/18</a:t>
+              <a:t>2021/3/22</a:t>
             </a:fld>
             <a:endParaRPr kumimoji="1" lang="ja-JP" altLang="en-US"/>
           </a:p>
@@ -484,7 +489,7 @@
           <a:p>
             <a:fld id="{AF7A5BB6-9CDE-2A42-9BB9-F3F2C4AFB5DA}" type="datetimeFigureOut">
               <a:rPr kumimoji="1" lang="ja-JP" altLang="en-US" smtClean="0"/>
-              <a:t>2021/3/18</a:t>
+              <a:t>2021/3/22</a:t>
             </a:fld>
             <a:endParaRPr kumimoji="1" lang="ja-JP" altLang="en-US"/>
           </a:p>
@@ -724,7 +729,7 @@
           <a:p>
             <a:fld id="{AF7A5BB6-9CDE-2A42-9BB9-F3F2C4AFB5DA}" type="datetimeFigureOut">
               <a:rPr kumimoji="1" lang="ja-JP" altLang="en-US" smtClean="0"/>
-              <a:t>2021/3/18</a:t>
+              <a:t>2021/3/22</a:t>
             </a:fld>
             <a:endParaRPr kumimoji="1" lang="ja-JP" altLang="en-US"/>
           </a:p>
@@ -954,7 +959,7 @@
           <a:p>
             <a:fld id="{AF7A5BB6-9CDE-2A42-9BB9-F3F2C4AFB5DA}" type="datetimeFigureOut">
               <a:rPr kumimoji="1" lang="ja-JP" altLang="en-US" smtClean="0"/>
-              <a:t>2021/3/18</a:t>
+              <a:t>2021/3/22</a:t>
             </a:fld>
             <a:endParaRPr kumimoji="1" lang="ja-JP" altLang="en-US"/>
           </a:p>
@@ -1229,7 +1234,7 @@
           <a:p>
             <a:fld id="{AF7A5BB6-9CDE-2A42-9BB9-F3F2C4AFB5DA}" type="datetimeFigureOut">
               <a:rPr kumimoji="1" lang="ja-JP" altLang="en-US" smtClean="0"/>
-              <a:t>2021/3/18</a:t>
+              <a:t>2021/3/22</a:t>
             </a:fld>
             <a:endParaRPr kumimoji="1" lang="ja-JP" altLang="en-US"/>
           </a:p>
@@ -1558,7 +1563,7 @@
           <a:p>
             <a:fld id="{AF7A5BB6-9CDE-2A42-9BB9-F3F2C4AFB5DA}" type="datetimeFigureOut">
               <a:rPr kumimoji="1" lang="ja-JP" altLang="en-US" smtClean="0"/>
-              <a:t>2021/3/18</a:t>
+              <a:t>2021/3/22</a:t>
             </a:fld>
             <a:endParaRPr kumimoji="1" lang="ja-JP" altLang="en-US"/>
           </a:p>
@@ -2034,7 +2039,7 @@
           <a:p>
             <a:fld id="{AF7A5BB6-9CDE-2A42-9BB9-F3F2C4AFB5DA}" type="datetimeFigureOut">
               <a:rPr kumimoji="1" lang="ja-JP" altLang="en-US" smtClean="0"/>
-              <a:t>2021/3/18</a:t>
+              <a:t>2021/3/22</a:t>
             </a:fld>
             <a:endParaRPr kumimoji="1" lang="ja-JP" altLang="en-US"/>
           </a:p>
@@ -2175,7 +2180,7 @@
           <a:p>
             <a:fld id="{AF7A5BB6-9CDE-2A42-9BB9-F3F2C4AFB5DA}" type="datetimeFigureOut">
               <a:rPr kumimoji="1" lang="ja-JP" altLang="en-US" smtClean="0"/>
-              <a:t>2021/3/18</a:t>
+              <a:t>2021/3/22</a:t>
             </a:fld>
             <a:endParaRPr kumimoji="1" lang="ja-JP" altLang="en-US"/>
           </a:p>
@@ -2288,7 +2293,7 @@
           <a:p>
             <a:fld id="{AF7A5BB6-9CDE-2A42-9BB9-F3F2C4AFB5DA}" type="datetimeFigureOut">
               <a:rPr kumimoji="1" lang="ja-JP" altLang="en-US" smtClean="0"/>
-              <a:t>2021/3/18</a:t>
+              <a:t>2021/3/22</a:t>
             </a:fld>
             <a:endParaRPr kumimoji="1" lang="ja-JP" altLang="en-US"/>
           </a:p>
@@ -2631,7 +2636,7 @@
           <a:p>
             <a:fld id="{AF7A5BB6-9CDE-2A42-9BB9-F3F2C4AFB5DA}" type="datetimeFigureOut">
               <a:rPr kumimoji="1" lang="ja-JP" altLang="en-US" smtClean="0"/>
-              <a:t>2021/3/18</a:t>
+              <a:t>2021/3/22</a:t>
             </a:fld>
             <a:endParaRPr kumimoji="1" lang="ja-JP" altLang="en-US"/>
           </a:p>
@@ -2919,7 +2924,7 @@
           <a:p>
             <a:fld id="{AF7A5BB6-9CDE-2A42-9BB9-F3F2C4AFB5DA}" type="datetimeFigureOut">
               <a:rPr kumimoji="1" lang="ja-JP" altLang="en-US" smtClean="0"/>
-              <a:t>2021/3/18</a:t>
+              <a:t>2021/3/22</a:t>
             </a:fld>
             <a:endParaRPr kumimoji="1" lang="ja-JP" altLang="en-US"/>
           </a:p>
@@ -3192,7 +3197,7 @@
           <a:p>
             <a:fld id="{AF7A5BB6-9CDE-2A42-9BB9-F3F2C4AFB5DA}" type="datetimeFigureOut">
               <a:rPr kumimoji="1" lang="ja-JP" altLang="en-US" smtClean="0"/>
-              <a:t>2021/3/18</a:t>
+              <a:t>2021/3/22</a:t>
             </a:fld>
             <a:endParaRPr kumimoji="1" lang="ja-JP" altLang="en-US"/>
           </a:p>
@@ -3609,6 +3614,1792 @@
           <a:chExt cx="0" cy="0"/>
         </a:xfrm>
       </p:grpSpPr>
+      <p:sp>
+        <p:nvSpPr>
+          <p:cNvPr id="82" name="角丸四角形 81">
+            <a:extLst>
+              <a:ext uri="{FF2B5EF4-FFF2-40B4-BE49-F238E27FC236}">
+                <a16:creationId xmlns:a16="http://schemas.microsoft.com/office/drawing/2014/main" id="{0FD5133D-12FD-DA47-BBD4-524C782ADF7A}"/>
+              </a:ext>
+            </a:extLst>
+          </p:cNvPr>
+          <p:cNvSpPr/>
+          <p:nvPr/>
+        </p:nvSpPr>
+        <p:spPr>
+          <a:xfrm>
+            <a:off x="6874471" y="808679"/>
+            <a:ext cx="5148651" cy="5752755"/>
+          </a:xfrm>
+          <a:prstGeom prst="roundRect">
+            <a:avLst/>
+          </a:prstGeom>
+        </p:spPr>
+        <p:style>
+          <a:lnRef idx="1">
+            <a:schemeClr val="accent6"/>
+          </a:lnRef>
+          <a:fillRef idx="2">
+            <a:schemeClr val="accent6"/>
+          </a:fillRef>
+          <a:effectRef idx="1">
+            <a:schemeClr val="accent6"/>
+          </a:effectRef>
+          <a:fontRef idx="minor">
+            <a:schemeClr val="dk1"/>
+          </a:fontRef>
+        </p:style>
+        <p:txBody>
+          <a:bodyPr rtlCol="0" anchor="ctr"/>
+          <a:lstStyle/>
+          <a:p>
+            <a:pPr algn="ctr"/>
+            <a:endParaRPr kumimoji="1" lang="ja-JP" altLang="en-US"/>
+          </a:p>
+        </p:txBody>
+      </p:sp>
+      <p:sp>
+        <p:nvSpPr>
+          <p:cNvPr id="81" name="角丸四角形 80">
+            <a:extLst>
+              <a:ext uri="{FF2B5EF4-FFF2-40B4-BE49-F238E27FC236}">
+                <a16:creationId xmlns:a16="http://schemas.microsoft.com/office/drawing/2014/main" id="{F794373D-05F4-B340-83A5-ADA24CC1864D}"/>
+              </a:ext>
+            </a:extLst>
+          </p:cNvPr>
+          <p:cNvSpPr/>
+          <p:nvPr/>
+        </p:nvSpPr>
+        <p:spPr>
+          <a:xfrm>
+            <a:off x="259491" y="752388"/>
+            <a:ext cx="5148646" cy="5809046"/>
+          </a:xfrm>
+          <a:prstGeom prst="roundRect">
+            <a:avLst/>
+          </a:prstGeom>
+        </p:spPr>
+        <p:style>
+          <a:lnRef idx="1">
+            <a:schemeClr val="accent1"/>
+          </a:lnRef>
+          <a:fillRef idx="2">
+            <a:schemeClr val="accent1"/>
+          </a:fillRef>
+          <a:effectRef idx="1">
+            <a:schemeClr val="accent1"/>
+          </a:effectRef>
+          <a:fontRef idx="minor">
+            <a:schemeClr val="dk1"/>
+          </a:fontRef>
+        </p:style>
+        <p:txBody>
+          <a:bodyPr rtlCol="0" anchor="ctr"/>
+          <a:lstStyle/>
+          <a:p>
+            <a:pPr algn="ctr"/>
+            <a:endParaRPr kumimoji="1" lang="ja-JP" altLang="en-US"/>
+          </a:p>
+        </p:txBody>
+      </p:sp>
+      <p:sp>
+        <p:nvSpPr>
+          <p:cNvPr id="10" name="角丸四角形 9">
+            <a:extLst>
+              <a:ext uri="{FF2B5EF4-FFF2-40B4-BE49-F238E27FC236}">
+                <a16:creationId xmlns:a16="http://schemas.microsoft.com/office/drawing/2014/main" id="{026F32B9-7851-984C-BF57-5313EEDA39EB}"/>
+              </a:ext>
+            </a:extLst>
+          </p:cNvPr>
+          <p:cNvSpPr/>
+          <p:nvPr/>
+        </p:nvSpPr>
+        <p:spPr>
+          <a:xfrm>
+            <a:off x="4559642" y="2117120"/>
+            <a:ext cx="3534032" cy="3880021"/>
+          </a:xfrm>
+          <a:prstGeom prst="roundRect">
+            <a:avLst/>
+          </a:prstGeom>
+        </p:spPr>
+        <p:style>
+          <a:lnRef idx="1">
+            <a:schemeClr val="accent4"/>
+          </a:lnRef>
+          <a:fillRef idx="2">
+            <a:schemeClr val="accent4"/>
+          </a:fillRef>
+          <a:effectRef idx="1">
+            <a:schemeClr val="accent4"/>
+          </a:effectRef>
+          <a:fontRef idx="minor">
+            <a:schemeClr val="dk1"/>
+          </a:fontRef>
+        </p:style>
+        <p:txBody>
+          <a:bodyPr rtlCol="0" anchor="ctr"/>
+          <a:lstStyle/>
+          <a:p>
+            <a:pPr algn="ctr"/>
+            <a:endParaRPr kumimoji="1" lang="ja-JP" altLang="en-US"/>
+          </a:p>
+        </p:txBody>
+      </p:sp>
+      <p:sp>
+        <p:nvSpPr>
+          <p:cNvPr id="2" name="テキスト ボックス 1">
+            <a:extLst>
+              <a:ext uri="{FF2B5EF4-FFF2-40B4-BE49-F238E27FC236}">
+                <a16:creationId xmlns:a16="http://schemas.microsoft.com/office/drawing/2014/main" id="{3B2FDE89-D617-6941-8CCC-F7520E42112F}"/>
+              </a:ext>
+            </a:extLst>
+          </p:cNvPr>
+          <p:cNvSpPr txBox="1"/>
+          <p:nvPr/>
+        </p:nvSpPr>
+        <p:spPr>
+          <a:xfrm>
+            <a:off x="2224215" y="297927"/>
+            <a:ext cx="1404552" cy="369332"/>
+          </a:xfrm>
+          <a:prstGeom prst="rect">
+            <a:avLst/>
+          </a:prstGeom>
+          <a:noFill/>
+        </p:spPr>
+        <p:txBody>
+          <a:bodyPr wrap="none" rtlCol="0">
+            <a:spAutoFit/>
+          </a:bodyPr>
+          <a:lstStyle/>
+          <a:p>
+            <a:r>
+              <a:rPr kumimoji="1" lang="ja-JP" altLang="en-US" b="1">
+                <a:solidFill>
+                  <a:schemeClr val="accent1"/>
+                </a:solidFill>
+              </a:rPr>
+              <a:t>価値</a:t>
+            </a:r>
+            <a:r>
+              <a:rPr kumimoji="1" lang="en-US" altLang="ja-JP" b="1" dirty="0">
+                <a:solidFill>
+                  <a:schemeClr val="accent1"/>
+                </a:solidFill>
+              </a:rPr>
+              <a:t> </a:t>
+            </a:r>
+            <a:r>
+              <a:rPr kumimoji="1" lang="ja-JP" altLang="en-US" b="1">
+                <a:solidFill>
+                  <a:schemeClr val="accent1"/>
+                </a:solidFill>
+              </a:rPr>
+              <a:t>ベース</a:t>
+            </a:r>
+          </a:p>
+        </p:txBody>
+      </p:sp>
+      <p:sp>
+        <p:nvSpPr>
+          <p:cNvPr id="3" name="テキスト ボックス 2">
+            <a:extLst>
+              <a:ext uri="{FF2B5EF4-FFF2-40B4-BE49-F238E27FC236}">
+                <a16:creationId xmlns:a16="http://schemas.microsoft.com/office/drawing/2014/main" id="{131630CC-018B-D94C-9D75-497576E2FDAE}"/>
+              </a:ext>
+            </a:extLst>
+          </p:cNvPr>
+          <p:cNvSpPr txBox="1"/>
+          <p:nvPr/>
+        </p:nvSpPr>
+        <p:spPr>
+          <a:xfrm>
+            <a:off x="8730043" y="296566"/>
+            <a:ext cx="1404552" cy="369332"/>
+          </a:xfrm>
+          <a:prstGeom prst="rect">
+            <a:avLst/>
+          </a:prstGeom>
+          <a:noFill/>
+        </p:spPr>
+        <p:txBody>
+          <a:bodyPr wrap="none" rtlCol="0">
+            <a:spAutoFit/>
+          </a:bodyPr>
+          <a:lstStyle/>
+          <a:p>
+            <a:r>
+              <a:rPr lang="ja-JP" altLang="en-US" b="1">
+                <a:solidFill>
+                  <a:schemeClr val="accent6"/>
+                </a:solidFill>
+              </a:rPr>
+              <a:t>方策</a:t>
+            </a:r>
+            <a:r>
+              <a:rPr kumimoji="1" lang="en-US" altLang="ja-JP" b="1" dirty="0">
+                <a:solidFill>
+                  <a:schemeClr val="accent6"/>
+                </a:solidFill>
+              </a:rPr>
+              <a:t> </a:t>
+            </a:r>
+            <a:r>
+              <a:rPr kumimoji="1" lang="ja-JP" altLang="en-US" b="1">
+                <a:solidFill>
+                  <a:schemeClr val="accent6"/>
+                </a:solidFill>
+              </a:rPr>
+              <a:t>ベース</a:t>
+            </a:r>
+          </a:p>
+        </p:txBody>
+      </p:sp>
+      <p:sp>
+        <p:nvSpPr>
+          <p:cNvPr id="5" name="角丸四角形 4">
+            <a:extLst>
+              <a:ext uri="{FF2B5EF4-FFF2-40B4-BE49-F238E27FC236}">
+                <a16:creationId xmlns:a16="http://schemas.microsoft.com/office/drawing/2014/main" id="{115B5626-7D28-9840-8DDF-AF829204C7E0}"/>
+              </a:ext>
+            </a:extLst>
+          </p:cNvPr>
+          <p:cNvSpPr/>
+          <p:nvPr/>
+        </p:nvSpPr>
+        <p:spPr>
+          <a:xfrm>
+            <a:off x="2475469" y="1099748"/>
+            <a:ext cx="902044" cy="444843"/>
+          </a:xfrm>
+          <a:prstGeom prst="roundRect">
+            <a:avLst/>
+          </a:prstGeom>
+        </p:spPr>
+        <p:style>
+          <a:lnRef idx="2">
+            <a:schemeClr val="accent1"/>
+          </a:lnRef>
+          <a:fillRef idx="1">
+            <a:schemeClr val="lt1"/>
+          </a:fillRef>
+          <a:effectRef idx="0">
+            <a:schemeClr val="accent1"/>
+          </a:effectRef>
+          <a:fontRef idx="minor">
+            <a:schemeClr val="dk1"/>
+          </a:fontRef>
+        </p:style>
+        <p:txBody>
+          <a:bodyPr rtlCol="0" anchor="ctr"/>
+          <a:lstStyle/>
+          <a:p>
+            <a:pPr algn="ctr"/>
+            <a:r>
+              <a:rPr kumimoji="1" lang="en-US" altLang="ja-JP" dirty="0"/>
+              <a:t>Q</a:t>
+            </a:r>
+            <a:r>
+              <a:rPr kumimoji="1" lang="ja-JP" altLang="en-US"/>
+              <a:t>学習</a:t>
+            </a:r>
+          </a:p>
+        </p:txBody>
+      </p:sp>
+      <p:sp>
+        <p:nvSpPr>
+          <p:cNvPr id="6" name="角丸四角形 5">
+            <a:extLst>
+              <a:ext uri="{FF2B5EF4-FFF2-40B4-BE49-F238E27FC236}">
+                <a16:creationId xmlns:a16="http://schemas.microsoft.com/office/drawing/2014/main" id="{FC31C77C-EF07-2E46-9ACF-62EDC83EF6BE}"/>
+              </a:ext>
+            </a:extLst>
+          </p:cNvPr>
+          <p:cNvSpPr/>
+          <p:nvPr/>
+        </p:nvSpPr>
+        <p:spPr>
+          <a:xfrm>
+            <a:off x="8353167" y="1099748"/>
+            <a:ext cx="1264508" cy="444843"/>
+          </a:xfrm>
+          <a:prstGeom prst="roundRect">
+            <a:avLst/>
+          </a:prstGeom>
+        </p:spPr>
+        <p:style>
+          <a:lnRef idx="2">
+            <a:schemeClr val="accent6"/>
+          </a:lnRef>
+          <a:fillRef idx="1">
+            <a:schemeClr val="lt1"/>
+          </a:fillRef>
+          <a:effectRef idx="0">
+            <a:schemeClr val="accent6"/>
+          </a:effectRef>
+          <a:fontRef idx="minor">
+            <a:schemeClr val="dk1"/>
+          </a:fontRef>
+        </p:style>
+        <p:txBody>
+          <a:bodyPr rtlCol="0" anchor="ctr"/>
+          <a:lstStyle/>
+          <a:p>
+            <a:pPr algn="ctr"/>
+            <a:r>
+              <a:rPr kumimoji="1" lang="en-US" altLang="ja-JP" dirty="0"/>
+              <a:t>SARSA</a:t>
+            </a:r>
+            <a:endParaRPr kumimoji="1" lang="ja-JP" altLang="en-US"/>
+          </a:p>
+        </p:txBody>
+      </p:sp>
+      <p:sp>
+        <p:nvSpPr>
+          <p:cNvPr id="8" name="角丸四角形 7">
+            <a:extLst>
+              <a:ext uri="{FF2B5EF4-FFF2-40B4-BE49-F238E27FC236}">
+                <a16:creationId xmlns:a16="http://schemas.microsoft.com/office/drawing/2014/main" id="{224F4541-011C-3A4B-B06D-651EF0AC2B46}"/>
+              </a:ext>
+            </a:extLst>
+          </p:cNvPr>
+          <p:cNvSpPr/>
+          <p:nvPr/>
+        </p:nvSpPr>
+        <p:spPr>
+          <a:xfrm>
+            <a:off x="2475469" y="2823516"/>
+            <a:ext cx="902044" cy="444843"/>
+          </a:xfrm>
+          <a:prstGeom prst="roundRect">
+            <a:avLst/>
+          </a:prstGeom>
+        </p:spPr>
+        <p:style>
+          <a:lnRef idx="2">
+            <a:schemeClr val="accent1"/>
+          </a:lnRef>
+          <a:fillRef idx="1">
+            <a:schemeClr val="lt1"/>
+          </a:fillRef>
+          <a:effectRef idx="0">
+            <a:schemeClr val="accent1"/>
+          </a:effectRef>
+          <a:fontRef idx="minor">
+            <a:schemeClr val="dk1"/>
+          </a:fontRef>
+        </p:style>
+        <p:txBody>
+          <a:bodyPr rtlCol="0" anchor="ctr"/>
+          <a:lstStyle/>
+          <a:p>
+            <a:pPr algn="ctr"/>
+            <a:r>
+              <a:rPr kumimoji="1" lang="en-US" altLang="ja-JP" dirty="0"/>
+              <a:t>DQN</a:t>
+            </a:r>
+            <a:endParaRPr kumimoji="1" lang="ja-JP" altLang="en-US"/>
+          </a:p>
+        </p:txBody>
+      </p:sp>
+      <p:sp>
+        <p:nvSpPr>
+          <p:cNvPr id="9" name="角丸四角形 8">
+            <a:extLst>
+              <a:ext uri="{FF2B5EF4-FFF2-40B4-BE49-F238E27FC236}">
+                <a16:creationId xmlns:a16="http://schemas.microsoft.com/office/drawing/2014/main" id="{5525F65F-37B3-6C46-99EE-DB9CD841294A}"/>
+              </a:ext>
+            </a:extLst>
+          </p:cNvPr>
+          <p:cNvSpPr/>
+          <p:nvPr/>
+        </p:nvSpPr>
+        <p:spPr>
+          <a:xfrm>
+            <a:off x="5556420" y="2378673"/>
+            <a:ext cx="1540476" cy="444843"/>
+          </a:xfrm>
+          <a:prstGeom prst="roundRect">
+            <a:avLst/>
+          </a:prstGeom>
+        </p:spPr>
+        <p:style>
+          <a:lnRef idx="2">
+            <a:schemeClr val="accent4"/>
+          </a:lnRef>
+          <a:fillRef idx="1">
+            <a:schemeClr val="lt1"/>
+          </a:fillRef>
+          <a:effectRef idx="0">
+            <a:schemeClr val="accent4"/>
+          </a:effectRef>
+          <a:fontRef idx="minor">
+            <a:schemeClr val="dk1"/>
+          </a:fontRef>
+        </p:style>
+        <p:txBody>
+          <a:bodyPr rtlCol="0" anchor="ctr"/>
+          <a:lstStyle/>
+          <a:p>
+            <a:pPr algn="ctr"/>
+            <a:r>
+              <a:rPr kumimoji="1" lang="en-US" altLang="ja-JP" dirty="0"/>
+              <a:t>Actor Critic</a:t>
+            </a:r>
+            <a:endParaRPr kumimoji="1" lang="ja-JP" altLang="en-US"/>
+          </a:p>
+        </p:txBody>
+      </p:sp>
+      <p:sp>
+        <p:nvSpPr>
+          <p:cNvPr id="11" name="角丸四角形 10">
+            <a:extLst>
+              <a:ext uri="{FF2B5EF4-FFF2-40B4-BE49-F238E27FC236}">
+                <a16:creationId xmlns:a16="http://schemas.microsoft.com/office/drawing/2014/main" id="{9DE2A1EF-71F5-3D4C-86C2-9CFAE8A38DE3}"/>
+              </a:ext>
+            </a:extLst>
+          </p:cNvPr>
+          <p:cNvSpPr/>
+          <p:nvPr/>
+        </p:nvSpPr>
+        <p:spPr>
+          <a:xfrm>
+            <a:off x="4847966" y="3274538"/>
+            <a:ext cx="1095633" cy="444843"/>
+          </a:xfrm>
+          <a:prstGeom prst="roundRect">
+            <a:avLst/>
+          </a:prstGeom>
+        </p:spPr>
+        <p:style>
+          <a:lnRef idx="2">
+            <a:schemeClr val="accent4"/>
+          </a:lnRef>
+          <a:fillRef idx="1">
+            <a:schemeClr val="lt1"/>
+          </a:fillRef>
+          <a:effectRef idx="0">
+            <a:schemeClr val="accent4"/>
+          </a:effectRef>
+          <a:fontRef idx="minor">
+            <a:schemeClr val="dk1"/>
+          </a:fontRef>
+        </p:style>
+        <p:txBody>
+          <a:bodyPr rtlCol="0" anchor="ctr"/>
+          <a:lstStyle/>
+          <a:p>
+            <a:pPr algn="ctr"/>
+            <a:r>
+              <a:rPr kumimoji="1" lang="en-US" altLang="ja-JP" dirty="0"/>
+              <a:t>DPG</a:t>
+            </a:r>
+            <a:endParaRPr kumimoji="1" lang="ja-JP" altLang="en-US"/>
+          </a:p>
+        </p:txBody>
+      </p:sp>
+      <p:sp>
+        <p:nvSpPr>
+          <p:cNvPr id="12" name="角丸四角形 11">
+            <a:extLst>
+              <a:ext uri="{FF2B5EF4-FFF2-40B4-BE49-F238E27FC236}">
+                <a16:creationId xmlns:a16="http://schemas.microsoft.com/office/drawing/2014/main" id="{35AF052D-02CA-1C46-8263-9459E474EDEA}"/>
+              </a:ext>
+            </a:extLst>
+          </p:cNvPr>
+          <p:cNvSpPr/>
+          <p:nvPr/>
+        </p:nvSpPr>
+        <p:spPr>
+          <a:xfrm>
+            <a:off x="6549079" y="3268359"/>
+            <a:ext cx="1095633" cy="444843"/>
+          </a:xfrm>
+          <a:prstGeom prst="roundRect">
+            <a:avLst/>
+          </a:prstGeom>
+        </p:spPr>
+        <p:style>
+          <a:lnRef idx="2">
+            <a:schemeClr val="accent4"/>
+          </a:lnRef>
+          <a:fillRef idx="1">
+            <a:schemeClr val="lt1"/>
+          </a:fillRef>
+          <a:effectRef idx="0">
+            <a:schemeClr val="accent4"/>
+          </a:effectRef>
+          <a:fontRef idx="minor">
+            <a:schemeClr val="dk1"/>
+          </a:fontRef>
+        </p:style>
+        <p:txBody>
+          <a:bodyPr rtlCol="0" anchor="ctr"/>
+          <a:lstStyle/>
+          <a:p>
+            <a:pPr algn="ctr"/>
+            <a:r>
+              <a:rPr kumimoji="1" lang="en-US" altLang="ja-JP" dirty="0"/>
+              <a:t>A2C</a:t>
+            </a:r>
+            <a:endParaRPr kumimoji="1" lang="ja-JP" altLang="en-US"/>
+          </a:p>
+        </p:txBody>
+      </p:sp>
+      <p:sp>
+        <p:nvSpPr>
+          <p:cNvPr id="13" name="角丸四角形 12">
+            <a:extLst>
+              <a:ext uri="{FF2B5EF4-FFF2-40B4-BE49-F238E27FC236}">
+                <a16:creationId xmlns:a16="http://schemas.microsoft.com/office/drawing/2014/main" id="{9504D4C8-D542-7B4B-A996-7F5A079DF2B1}"/>
+              </a:ext>
+            </a:extLst>
+          </p:cNvPr>
+          <p:cNvSpPr/>
+          <p:nvPr/>
+        </p:nvSpPr>
+        <p:spPr>
+          <a:xfrm>
+            <a:off x="6549078" y="4188248"/>
+            <a:ext cx="1095633" cy="444843"/>
+          </a:xfrm>
+          <a:prstGeom prst="roundRect">
+            <a:avLst/>
+          </a:prstGeom>
+        </p:spPr>
+        <p:style>
+          <a:lnRef idx="2">
+            <a:schemeClr val="accent4"/>
+          </a:lnRef>
+          <a:fillRef idx="1">
+            <a:schemeClr val="lt1"/>
+          </a:fillRef>
+          <a:effectRef idx="0">
+            <a:schemeClr val="accent4"/>
+          </a:effectRef>
+          <a:fontRef idx="minor">
+            <a:schemeClr val="dk1"/>
+          </a:fontRef>
+        </p:style>
+        <p:txBody>
+          <a:bodyPr rtlCol="0" anchor="ctr"/>
+          <a:lstStyle/>
+          <a:p>
+            <a:pPr algn="ctr"/>
+            <a:r>
+              <a:rPr kumimoji="1" lang="en-US" altLang="ja-JP" dirty="0"/>
+              <a:t>A3C</a:t>
+            </a:r>
+            <a:endParaRPr kumimoji="1" lang="ja-JP" altLang="en-US"/>
+          </a:p>
+        </p:txBody>
+      </p:sp>
+      <p:sp>
+        <p:nvSpPr>
+          <p:cNvPr id="14" name="角丸四角形 13">
+            <a:extLst>
+              <a:ext uri="{FF2B5EF4-FFF2-40B4-BE49-F238E27FC236}">
+                <a16:creationId xmlns:a16="http://schemas.microsoft.com/office/drawing/2014/main" id="{84493ABA-D375-1E48-B445-D8A7D18431F4}"/>
+              </a:ext>
+            </a:extLst>
+          </p:cNvPr>
+          <p:cNvSpPr/>
+          <p:nvPr/>
+        </p:nvSpPr>
+        <p:spPr>
+          <a:xfrm>
+            <a:off x="4847965" y="4188248"/>
+            <a:ext cx="1095633" cy="444843"/>
+          </a:xfrm>
+          <a:prstGeom prst="roundRect">
+            <a:avLst/>
+          </a:prstGeom>
+        </p:spPr>
+        <p:style>
+          <a:lnRef idx="2">
+            <a:schemeClr val="accent4"/>
+          </a:lnRef>
+          <a:fillRef idx="1">
+            <a:schemeClr val="lt1"/>
+          </a:fillRef>
+          <a:effectRef idx="0">
+            <a:schemeClr val="accent4"/>
+          </a:effectRef>
+          <a:fontRef idx="minor">
+            <a:schemeClr val="dk1"/>
+          </a:fontRef>
+        </p:style>
+        <p:txBody>
+          <a:bodyPr rtlCol="0" anchor="ctr"/>
+          <a:lstStyle/>
+          <a:p>
+            <a:pPr algn="ctr"/>
+            <a:r>
+              <a:rPr kumimoji="1" lang="en-US" altLang="ja-JP" dirty="0"/>
+              <a:t>DDPG</a:t>
+            </a:r>
+            <a:endParaRPr kumimoji="1" lang="ja-JP" altLang="en-US"/>
+          </a:p>
+        </p:txBody>
+      </p:sp>
+      <p:sp>
+        <p:nvSpPr>
+          <p:cNvPr id="15" name="角丸四角形 14">
+            <a:extLst>
+              <a:ext uri="{FF2B5EF4-FFF2-40B4-BE49-F238E27FC236}">
+                <a16:creationId xmlns:a16="http://schemas.microsoft.com/office/drawing/2014/main" id="{DAAD596B-9474-B341-9086-CC0F7195AB7A}"/>
+              </a:ext>
+            </a:extLst>
+          </p:cNvPr>
+          <p:cNvSpPr/>
+          <p:nvPr/>
+        </p:nvSpPr>
+        <p:spPr>
+          <a:xfrm>
+            <a:off x="4847965" y="5212481"/>
+            <a:ext cx="1095633" cy="444843"/>
+          </a:xfrm>
+          <a:prstGeom prst="roundRect">
+            <a:avLst/>
+          </a:prstGeom>
+        </p:spPr>
+        <p:style>
+          <a:lnRef idx="2">
+            <a:schemeClr val="accent4"/>
+          </a:lnRef>
+          <a:fillRef idx="1">
+            <a:schemeClr val="lt1"/>
+          </a:fillRef>
+          <a:effectRef idx="0">
+            <a:schemeClr val="accent4"/>
+          </a:effectRef>
+          <a:fontRef idx="minor">
+            <a:schemeClr val="dk1"/>
+          </a:fontRef>
+        </p:style>
+        <p:txBody>
+          <a:bodyPr rtlCol="0" anchor="ctr"/>
+          <a:lstStyle/>
+          <a:p>
+            <a:pPr algn="ctr"/>
+            <a:r>
+              <a:rPr kumimoji="1" lang="en-US" altLang="ja-JP" dirty="0"/>
+              <a:t>D4PG</a:t>
+            </a:r>
+            <a:endParaRPr kumimoji="1" lang="ja-JP" altLang="en-US"/>
+          </a:p>
+        </p:txBody>
+      </p:sp>
+      <p:sp>
+        <p:nvSpPr>
+          <p:cNvPr id="16" name="角丸四角形 15">
+            <a:extLst>
+              <a:ext uri="{FF2B5EF4-FFF2-40B4-BE49-F238E27FC236}">
+                <a16:creationId xmlns:a16="http://schemas.microsoft.com/office/drawing/2014/main" id="{9B971438-1F15-CF43-BF5C-58A3B57795A9}"/>
+              </a:ext>
+            </a:extLst>
+          </p:cNvPr>
+          <p:cNvSpPr/>
+          <p:nvPr/>
+        </p:nvSpPr>
+        <p:spPr>
+          <a:xfrm>
+            <a:off x="2475469" y="4182759"/>
+            <a:ext cx="1635210" cy="444843"/>
+          </a:xfrm>
+          <a:prstGeom prst="roundRect">
+            <a:avLst/>
+          </a:prstGeom>
+        </p:spPr>
+        <p:style>
+          <a:lnRef idx="2">
+            <a:schemeClr val="accent1"/>
+          </a:lnRef>
+          <a:fillRef idx="1">
+            <a:schemeClr val="lt1"/>
+          </a:fillRef>
+          <a:effectRef idx="0">
+            <a:schemeClr val="accent1"/>
+          </a:effectRef>
+          <a:fontRef idx="minor">
+            <a:schemeClr val="dk1"/>
+          </a:fontRef>
+        </p:style>
+        <p:txBody>
+          <a:bodyPr rtlCol="0" anchor="ctr"/>
+          <a:lstStyle/>
+          <a:p>
+            <a:pPr algn="ctr"/>
+            <a:r>
+              <a:rPr kumimoji="1" lang="en-US" altLang="ja-JP" dirty="0"/>
+              <a:t>Dueling DQN</a:t>
+            </a:r>
+            <a:endParaRPr kumimoji="1" lang="ja-JP" altLang="en-US"/>
+          </a:p>
+        </p:txBody>
+      </p:sp>
+      <p:sp>
+        <p:nvSpPr>
+          <p:cNvPr id="17" name="角丸四角形 16">
+            <a:extLst>
+              <a:ext uri="{FF2B5EF4-FFF2-40B4-BE49-F238E27FC236}">
+                <a16:creationId xmlns:a16="http://schemas.microsoft.com/office/drawing/2014/main" id="{ABE72388-C429-544B-9D79-6AAC646FDE89}"/>
+              </a:ext>
+            </a:extLst>
+          </p:cNvPr>
+          <p:cNvSpPr/>
+          <p:nvPr/>
+        </p:nvSpPr>
+        <p:spPr>
+          <a:xfrm>
+            <a:off x="391296" y="4182759"/>
+            <a:ext cx="1635210" cy="444843"/>
+          </a:xfrm>
+          <a:prstGeom prst="roundRect">
+            <a:avLst/>
+          </a:prstGeom>
+        </p:spPr>
+        <p:style>
+          <a:lnRef idx="2">
+            <a:schemeClr val="accent1"/>
+          </a:lnRef>
+          <a:fillRef idx="1">
+            <a:schemeClr val="lt1"/>
+          </a:fillRef>
+          <a:effectRef idx="0">
+            <a:schemeClr val="accent1"/>
+          </a:effectRef>
+          <a:fontRef idx="minor">
+            <a:schemeClr val="dk1"/>
+          </a:fontRef>
+        </p:style>
+        <p:txBody>
+          <a:bodyPr rtlCol="0" anchor="ctr"/>
+          <a:lstStyle/>
+          <a:p>
+            <a:pPr algn="ctr"/>
+            <a:r>
+              <a:rPr lang="en-US" altLang="ja-JP" dirty="0"/>
+              <a:t>Double</a:t>
+            </a:r>
+            <a:r>
+              <a:rPr kumimoji="1" lang="en-US" altLang="ja-JP" dirty="0"/>
+              <a:t> DQN</a:t>
+            </a:r>
+            <a:endParaRPr kumimoji="1" lang="ja-JP" altLang="en-US"/>
+          </a:p>
+        </p:txBody>
+      </p:sp>
+      <p:sp>
+        <p:nvSpPr>
+          <p:cNvPr id="18" name="角丸四角形 17">
+            <a:extLst>
+              <a:ext uri="{FF2B5EF4-FFF2-40B4-BE49-F238E27FC236}">
+                <a16:creationId xmlns:a16="http://schemas.microsoft.com/office/drawing/2014/main" id="{00CBF130-B824-6E44-8D80-2DAE42D90A64}"/>
+              </a:ext>
+            </a:extLst>
+          </p:cNvPr>
+          <p:cNvSpPr/>
+          <p:nvPr/>
+        </p:nvSpPr>
+        <p:spPr>
+          <a:xfrm>
+            <a:off x="1674340" y="5214548"/>
+            <a:ext cx="1252151" cy="444843"/>
+          </a:xfrm>
+          <a:prstGeom prst="roundRect">
+            <a:avLst/>
+          </a:prstGeom>
+        </p:spPr>
+        <p:style>
+          <a:lnRef idx="2">
+            <a:schemeClr val="accent1"/>
+          </a:lnRef>
+          <a:fillRef idx="1">
+            <a:schemeClr val="lt1"/>
+          </a:fillRef>
+          <a:effectRef idx="0">
+            <a:schemeClr val="accent1"/>
+          </a:effectRef>
+          <a:fontRef idx="minor">
+            <a:schemeClr val="dk1"/>
+          </a:fontRef>
+        </p:style>
+        <p:txBody>
+          <a:bodyPr rtlCol="0" anchor="ctr"/>
+          <a:lstStyle/>
+          <a:p>
+            <a:pPr algn="ctr"/>
+            <a:r>
+              <a:rPr lang="en-US" altLang="ja-JP" dirty="0"/>
+              <a:t>Rainbow</a:t>
+            </a:r>
+            <a:endParaRPr kumimoji="1" lang="ja-JP" altLang="en-US"/>
+          </a:p>
+        </p:txBody>
+      </p:sp>
+      <p:sp>
+        <p:nvSpPr>
+          <p:cNvPr id="19" name="角丸四角形 18">
+            <a:extLst>
+              <a:ext uri="{FF2B5EF4-FFF2-40B4-BE49-F238E27FC236}">
+                <a16:creationId xmlns:a16="http://schemas.microsoft.com/office/drawing/2014/main" id="{E7C1F4AC-932A-3F4E-BB83-D7BCF6B01A11}"/>
+              </a:ext>
+            </a:extLst>
+          </p:cNvPr>
+          <p:cNvSpPr/>
+          <p:nvPr/>
+        </p:nvSpPr>
+        <p:spPr>
+          <a:xfrm>
+            <a:off x="1482810" y="6023915"/>
+            <a:ext cx="1635210" cy="444843"/>
+          </a:xfrm>
+          <a:prstGeom prst="roundRect">
+            <a:avLst/>
+          </a:prstGeom>
+        </p:spPr>
+        <p:style>
+          <a:lnRef idx="2">
+            <a:schemeClr val="accent1"/>
+          </a:lnRef>
+          <a:fillRef idx="1">
+            <a:schemeClr val="lt1"/>
+          </a:fillRef>
+          <a:effectRef idx="0">
+            <a:schemeClr val="accent1"/>
+          </a:effectRef>
+          <a:fontRef idx="minor">
+            <a:schemeClr val="dk1"/>
+          </a:fontRef>
+        </p:style>
+        <p:txBody>
+          <a:bodyPr rtlCol="0" anchor="ctr"/>
+          <a:lstStyle/>
+          <a:p>
+            <a:pPr algn="ctr"/>
+            <a:r>
+              <a:rPr lang="en-US" altLang="ja-JP" dirty="0"/>
+              <a:t>APE-X DQN</a:t>
+            </a:r>
+            <a:endParaRPr kumimoji="1" lang="ja-JP" altLang="en-US"/>
+          </a:p>
+        </p:txBody>
+      </p:sp>
+      <p:sp>
+        <p:nvSpPr>
+          <p:cNvPr id="20" name="角丸四角形 19">
+            <a:extLst>
+              <a:ext uri="{FF2B5EF4-FFF2-40B4-BE49-F238E27FC236}">
+                <a16:creationId xmlns:a16="http://schemas.microsoft.com/office/drawing/2014/main" id="{E2A36F86-6A4F-BC4D-97E8-63CA300C56F8}"/>
+              </a:ext>
+            </a:extLst>
+          </p:cNvPr>
+          <p:cNvSpPr/>
+          <p:nvPr/>
+        </p:nvSpPr>
+        <p:spPr>
+          <a:xfrm>
+            <a:off x="9477628" y="2038867"/>
+            <a:ext cx="1404552" cy="444843"/>
+          </a:xfrm>
+          <a:prstGeom prst="roundRect">
+            <a:avLst/>
+          </a:prstGeom>
+        </p:spPr>
+        <p:style>
+          <a:lnRef idx="2">
+            <a:schemeClr val="accent6"/>
+          </a:lnRef>
+          <a:fillRef idx="1">
+            <a:schemeClr val="lt1"/>
+          </a:fillRef>
+          <a:effectRef idx="0">
+            <a:schemeClr val="accent6"/>
+          </a:effectRef>
+          <a:fontRef idx="minor">
+            <a:schemeClr val="dk1"/>
+          </a:fontRef>
+        </p:style>
+        <p:txBody>
+          <a:bodyPr rtlCol="0" anchor="ctr"/>
+          <a:lstStyle/>
+          <a:p>
+            <a:pPr algn="ctr"/>
+            <a:r>
+              <a:rPr kumimoji="1" lang="ja-JP" altLang="en-US"/>
+              <a:t>方策勾配法</a:t>
+            </a:r>
+          </a:p>
+        </p:txBody>
+      </p:sp>
+      <p:sp>
+        <p:nvSpPr>
+          <p:cNvPr id="21" name="角丸四角形 20">
+            <a:extLst>
+              <a:ext uri="{FF2B5EF4-FFF2-40B4-BE49-F238E27FC236}">
+                <a16:creationId xmlns:a16="http://schemas.microsoft.com/office/drawing/2014/main" id="{FB1936C4-0358-034F-88B2-60F1DFD90664}"/>
+              </a:ext>
+            </a:extLst>
+          </p:cNvPr>
+          <p:cNvSpPr/>
+          <p:nvPr/>
+        </p:nvSpPr>
+        <p:spPr>
+          <a:xfrm>
+            <a:off x="9477628" y="3540213"/>
+            <a:ext cx="1404552" cy="444843"/>
+          </a:xfrm>
+          <a:prstGeom prst="roundRect">
+            <a:avLst/>
+          </a:prstGeom>
+        </p:spPr>
+        <p:style>
+          <a:lnRef idx="2">
+            <a:schemeClr val="accent6"/>
+          </a:lnRef>
+          <a:fillRef idx="1">
+            <a:schemeClr val="lt1"/>
+          </a:fillRef>
+          <a:effectRef idx="0">
+            <a:schemeClr val="accent6"/>
+          </a:effectRef>
+          <a:fontRef idx="minor">
+            <a:schemeClr val="dk1"/>
+          </a:fontRef>
+        </p:style>
+        <p:txBody>
+          <a:bodyPr rtlCol="0" anchor="ctr"/>
+          <a:lstStyle/>
+          <a:p>
+            <a:pPr algn="ctr"/>
+            <a:r>
+              <a:rPr kumimoji="1" lang="en-US" altLang="ja-JP" dirty="0"/>
+              <a:t>TRPO</a:t>
+            </a:r>
+            <a:endParaRPr kumimoji="1" lang="ja-JP" altLang="en-US"/>
+          </a:p>
+        </p:txBody>
+      </p:sp>
+      <p:sp>
+        <p:nvSpPr>
+          <p:cNvPr id="22" name="角丸四角形 21">
+            <a:extLst>
+              <a:ext uri="{FF2B5EF4-FFF2-40B4-BE49-F238E27FC236}">
+                <a16:creationId xmlns:a16="http://schemas.microsoft.com/office/drawing/2014/main" id="{412A7DB1-671F-E846-9E58-519559AC7325}"/>
+              </a:ext>
+            </a:extLst>
+          </p:cNvPr>
+          <p:cNvSpPr/>
+          <p:nvPr/>
+        </p:nvSpPr>
+        <p:spPr>
+          <a:xfrm>
+            <a:off x="9477628" y="4899456"/>
+            <a:ext cx="1404552" cy="444843"/>
+          </a:xfrm>
+          <a:prstGeom prst="roundRect">
+            <a:avLst/>
+          </a:prstGeom>
+        </p:spPr>
+        <p:style>
+          <a:lnRef idx="2">
+            <a:schemeClr val="accent6"/>
+          </a:lnRef>
+          <a:fillRef idx="1">
+            <a:schemeClr val="lt1"/>
+          </a:fillRef>
+          <a:effectRef idx="0">
+            <a:schemeClr val="accent6"/>
+          </a:effectRef>
+          <a:fontRef idx="minor">
+            <a:schemeClr val="dk1"/>
+          </a:fontRef>
+        </p:style>
+        <p:txBody>
+          <a:bodyPr rtlCol="0" anchor="ctr"/>
+          <a:lstStyle/>
+          <a:p>
+            <a:pPr algn="ctr"/>
+            <a:r>
+              <a:rPr kumimoji="1" lang="en-US" altLang="ja-JP" dirty="0"/>
+              <a:t>PPO</a:t>
+            </a:r>
+            <a:endParaRPr kumimoji="1" lang="ja-JP" altLang="en-US"/>
+          </a:p>
+        </p:txBody>
+      </p:sp>
+      <p:cxnSp>
+        <p:nvCxnSpPr>
+          <p:cNvPr id="25" name="直線矢印コネクタ 24">
+            <a:extLst>
+              <a:ext uri="{FF2B5EF4-FFF2-40B4-BE49-F238E27FC236}">
+                <a16:creationId xmlns:a16="http://schemas.microsoft.com/office/drawing/2014/main" id="{66088619-A4B3-2747-8FC9-C8E3DE1FF824}"/>
+              </a:ext>
+            </a:extLst>
+          </p:cNvPr>
+          <p:cNvCxnSpPr>
+            <a:stCxn id="5" idx="3"/>
+            <a:endCxn id="6" idx="1"/>
+          </p:cNvCxnSpPr>
+          <p:nvPr/>
+        </p:nvCxnSpPr>
+        <p:spPr>
+          <a:xfrm>
+            <a:off x="3377513" y="1322170"/>
+            <a:ext cx="4975654" cy="0"/>
+          </a:xfrm>
+          <a:prstGeom prst="straightConnector1">
+            <a:avLst/>
+          </a:prstGeom>
+          <a:ln w="12700">
+            <a:headEnd type="triangle"/>
+            <a:tailEnd type="triangle"/>
+          </a:ln>
+        </p:spPr>
+        <p:style>
+          <a:lnRef idx="1">
+            <a:schemeClr val="dk1"/>
+          </a:lnRef>
+          <a:fillRef idx="0">
+            <a:schemeClr val="dk1"/>
+          </a:fillRef>
+          <a:effectRef idx="0">
+            <a:schemeClr val="dk1"/>
+          </a:effectRef>
+          <a:fontRef idx="minor">
+            <a:schemeClr val="tx1"/>
+          </a:fontRef>
+        </p:style>
+      </p:cxnSp>
+      <p:cxnSp>
+        <p:nvCxnSpPr>
+          <p:cNvPr id="27" name="直線矢印コネクタ 26">
+            <a:extLst>
+              <a:ext uri="{FF2B5EF4-FFF2-40B4-BE49-F238E27FC236}">
+                <a16:creationId xmlns:a16="http://schemas.microsoft.com/office/drawing/2014/main" id="{BC4D883E-5BBC-7F48-A0B6-B16A1D581E71}"/>
+              </a:ext>
+            </a:extLst>
+          </p:cNvPr>
+          <p:cNvCxnSpPr>
+            <a:stCxn id="5" idx="2"/>
+            <a:endCxn id="8" idx="0"/>
+          </p:cNvCxnSpPr>
+          <p:nvPr/>
+        </p:nvCxnSpPr>
+        <p:spPr>
+          <a:xfrm>
+            <a:off x="2926491" y="1544591"/>
+            <a:ext cx="0" cy="1278925"/>
+          </a:xfrm>
+          <a:prstGeom prst="straightConnector1">
+            <a:avLst/>
+          </a:prstGeom>
+          <a:ln w="12700">
+            <a:tailEnd type="triangle"/>
+          </a:ln>
+        </p:spPr>
+        <p:style>
+          <a:lnRef idx="1">
+            <a:schemeClr val="dk1"/>
+          </a:lnRef>
+          <a:fillRef idx="0">
+            <a:schemeClr val="dk1"/>
+          </a:fillRef>
+          <a:effectRef idx="0">
+            <a:schemeClr val="dk1"/>
+          </a:effectRef>
+          <a:fontRef idx="minor">
+            <a:schemeClr val="tx1"/>
+          </a:fontRef>
+        </p:style>
+      </p:cxnSp>
+      <p:cxnSp>
+        <p:nvCxnSpPr>
+          <p:cNvPr id="28" name="直線矢印コネクタ 27">
+            <a:extLst>
+              <a:ext uri="{FF2B5EF4-FFF2-40B4-BE49-F238E27FC236}">
+                <a16:creationId xmlns:a16="http://schemas.microsoft.com/office/drawing/2014/main" id="{AB36B222-4148-F04D-BA60-28116FEF844F}"/>
+              </a:ext>
+            </a:extLst>
+          </p:cNvPr>
+          <p:cNvCxnSpPr>
+            <a:cxnSpLocks/>
+            <a:stCxn id="5" idx="2"/>
+            <a:endCxn id="9" idx="0"/>
+          </p:cNvCxnSpPr>
+          <p:nvPr/>
+        </p:nvCxnSpPr>
+        <p:spPr>
+          <a:xfrm>
+            <a:off x="2926491" y="1544591"/>
+            <a:ext cx="3400167" cy="834082"/>
+          </a:xfrm>
+          <a:prstGeom prst="straightConnector1">
+            <a:avLst/>
+          </a:prstGeom>
+          <a:ln w="12700">
+            <a:tailEnd type="triangle"/>
+          </a:ln>
+        </p:spPr>
+        <p:style>
+          <a:lnRef idx="1">
+            <a:schemeClr val="dk1"/>
+          </a:lnRef>
+          <a:fillRef idx="0">
+            <a:schemeClr val="dk1"/>
+          </a:fillRef>
+          <a:effectRef idx="0">
+            <a:schemeClr val="dk1"/>
+          </a:effectRef>
+          <a:fontRef idx="minor">
+            <a:schemeClr val="tx1"/>
+          </a:fontRef>
+        </p:style>
+      </p:cxnSp>
+      <p:cxnSp>
+        <p:nvCxnSpPr>
+          <p:cNvPr id="31" name="直線矢印コネクタ 30">
+            <a:extLst>
+              <a:ext uri="{FF2B5EF4-FFF2-40B4-BE49-F238E27FC236}">
+                <a16:creationId xmlns:a16="http://schemas.microsoft.com/office/drawing/2014/main" id="{67D90EEA-64D4-884F-AF62-E2EA859F04BE}"/>
+              </a:ext>
+            </a:extLst>
+          </p:cNvPr>
+          <p:cNvCxnSpPr>
+            <a:cxnSpLocks/>
+            <a:endCxn id="10" idx="3"/>
+          </p:cNvCxnSpPr>
+          <p:nvPr/>
+        </p:nvCxnSpPr>
+        <p:spPr>
+          <a:xfrm flipH="1">
+            <a:off x="8093674" y="2483710"/>
+            <a:ext cx="2086230" cy="1573421"/>
+          </a:xfrm>
+          <a:prstGeom prst="straightConnector1">
+            <a:avLst/>
+          </a:prstGeom>
+          <a:ln w="12700">
+            <a:tailEnd type="triangle"/>
+          </a:ln>
+        </p:spPr>
+        <p:style>
+          <a:lnRef idx="1">
+            <a:schemeClr val="dk1"/>
+          </a:lnRef>
+          <a:fillRef idx="0">
+            <a:schemeClr val="dk1"/>
+          </a:fillRef>
+          <a:effectRef idx="0">
+            <a:schemeClr val="dk1"/>
+          </a:effectRef>
+          <a:fontRef idx="minor">
+            <a:schemeClr val="tx1"/>
+          </a:fontRef>
+        </p:style>
+      </p:cxnSp>
+      <p:cxnSp>
+        <p:nvCxnSpPr>
+          <p:cNvPr id="34" name="直線矢印コネクタ 33">
+            <a:extLst>
+              <a:ext uri="{FF2B5EF4-FFF2-40B4-BE49-F238E27FC236}">
+                <a16:creationId xmlns:a16="http://schemas.microsoft.com/office/drawing/2014/main" id="{757287F6-D637-F24B-913E-46FB9182D04C}"/>
+              </a:ext>
+            </a:extLst>
+          </p:cNvPr>
+          <p:cNvCxnSpPr>
+            <a:cxnSpLocks/>
+            <a:stCxn id="20" idx="2"/>
+            <a:endCxn id="21" idx="0"/>
+          </p:cNvCxnSpPr>
+          <p:nvPr/>
+        </p:nvCxnSpPr>
+        <p:spPr>
+          <a:xfrm>
+            <a:off x="10179904" y="2483710"/>
+            <a:ext cx="0" cy="1056503"/>
+          </a:xfrm>
+          <a:prstGeom prst="straightConnector1">
+            <a:avLst/>
+          </a:prstGeom>
+          <a:ln w="12700">
+            <a:tailEnd type="triangle"/>
+          </a:ln>
+        </p:spPr>
+        <p:style>
+          <a:lnRef idx="1">
+            <a:schemeClr val="dk1"/>
+          </a:lnRef>
+          <a:fillRef idx="0">
+            <a:schemeClr val="dk1"/>
+          </a:fillRef>
+          <a:effectRef idx="0">
+            <a:schemeClr val="dk1"/>
+          </a:effectRef>
+          <a:fontRef idx="minor">
+            <a:schemeClr val="tx1"/>
+          </a:fontRef>
+        </p:style>
+      </p:cxnSp>
+      <p:cxnSp>
+        <p:nvCxnSpPr>
+          <p:cNvPr id="37" name="直線矢印コネクタ 36">
+            <a:extLst>
+              <a:ext uri="{FF2B5EF4-FFF2-40B4-BE49-F238E27FC236}">
+                <a16:creationId xmlns:a16="http://schemas.microsoft.com/office/drawing/2014/main" id="{5BEE2973-B619-FC4D-8A78-36F2D028E8BF}"/>
+              </a:ext>
+            </a:extLst>
+          </p:cNvPr>
+          <p:cNvCxnSpPr>
+            <a:cxnSpLocks/>
+            <a:stCxn id="21" idx="2"/>
+            <a:endCxn id="22" idx="0"/>
+          </p:cNvCxnSpPr>
+          <p:nvPr/>
+        </p:nvCxnSpPr>
+        <p:spPr>
+          <a:xfrm>
+            <a:off x="10179904" y="3985056"/>
+            <a:ext cx="0" cy="914400"/>
+          </a:xfrm>
+          <a:prstGeom prst="straightConnector1">
+            <a:avLst/>
+          </a:prstGeom>
+          <a:ln w="12700">
+            <a:tailEnd type="triangle"/>
+          </a:ln>
+        </p:spPr>
+        <p:style>
+          <a:lnRef idx="1">
+            <a:schemeClr val="dk1"/>
+          </a:lnRef>
+          <a:fillRef idx="0">
+            <a:schemeClr val="dk1"/>
+          </a:fillRef>
+          <a:effectRef idx="0">
+            <a:schemeClr val="dk1"/>
+          </a:effectRef>
+          <a:fontRef idx="minor">
+            <a:schemeClr val="tx1"/>
+          </a:fontRef>
+        </p:style>
+      </p:cxnSp>
+      <p:cxnSp>
+        <p:nvCxnSpPr>
+          <p:cNvPr id="40" name="直線矢印コネクタ 39">
+            <a:extLst>
+              <a:ext uri="{FF2B5EF4-FFF2-40B4-BE49-F238E27FC236}">
+                <a16:creationId xmlns:a16="http://schemas.microsoft.com/office/drawing/2014/main" id="{668D3862-E484-074C-B314-584A263F62C7}"/>
+              </a:ext>
+            </a:extLst>
+          </p:cNvPr>
+          <p:cNvCxnSpPr>
+            <a:cxnSpLocks/>
+            <a:stCxn id="8" idx="2"/>
+            <a:endCxn id="17" idx="0"/>
+          </p:cNvCxnSpPr>
+          <p:nvPr/>
+        </p:nvCxnSpPr>
+        <p:spPr>
+          <a:xfrm flipH="1">
+            <a:off x="1208901" y="3268359"/>
+            <a:ext cx="1717590" cy="914400"/>
+          </a:xfrm>
+          <a:prstGeom prst="straightConnector1">
+            <a:avLst/>
+          </a:prstGeom>
+          <a:ln w="12700">
+            <a:tailEnd type="triangle"/>
+          </a:ln>
+        </p:spPr>
+        <p:style>
+          <a:lnRef idx="1">
+            <a:schemeClr val="dk1"/>
+          </a:lnRef>
+          <a:fillRef idx="0">
+            <a:schemeClr val="dk1"/>
+          </a:fillRef>
+          <a:effectRef idx="0">
+            <a:schemeClr val="dk1"/>
+          </a:effectRef>
+          <a:fontRef idx="minor">
+            <a:schemeClr val="tx1"/>
+          </a:fontRef>
+        </p:style>
+      </p:cxnSp>
+      <p:cxnSp>
+        <p:nvCxnSpPr>
+          <p:cNvPr id="43" name="直線矢印コネクタ 42">
+            <a:extLst>
+              <a:ext uri="{FF2B5EF4-FFF2-40B4-BE49-F238E27FC236}">
+                <a16:creationId xmlns:a16="http://schemas.microsoft.com/office/drawing/2014/main" id="{A2D5CE45-C9F6-E34A-ABB6-D3BE2894DE3B}"/>
+              </a:ext>
+            </a:extLst>
+          </p:cNvPr>
+          <p:cNvCxnSpPr>
+            <a:cxnSpLocks/>
+            <a:stCxn id="8" idx="2"/>
+            <a:endCxn id="16" idx="0"/>
+          </p:cNvCxnSpPr>
+          <p:nvPr/>
+        </p:nvCxnSpPr>
+        <p:spPr>
+          <a:xfrm>
+            <a:off x="2926491" y="3268359"/>
+            <a:ext cx="366583" cy="914400"/>
+          </a:xfrm>
+          <a:prstGeom prst="straightConnector1">
+            <a:avLst/>
+          </a:prstGeom>
+          <a:ln w="12700">
+            <a:tailEnd type="triangle"/>
+          </a:ln>
+        </p:spPr>
+        <p:style>
+          <a:lnRef idx="1">
+            <a:schemeClr val="dk1"/>
+          </a:lnRef>
+          <a:fillRef idx="0">
+            <a:schemeClr val="dk1"/>
+          </a:fillRef>
+          <a:effectRef idx="0">
+            <a:schemeClr val="dk1"/>
+          </a:effectRef>
+          <a:fontRef idx="minor">
+            <a:schemeClr val="tx1"/>
+          </a:fontRef>
+        </p:style>
+      </p:cxnSp>
+      <p:cxnSp>
+        <p:nvCxnSpPr>
+          <p:cNvPr id="46" name="直線矢印コネクタ 45">
+            <a:extLst>
+              <a:ext uri="{FF2B5EF4-FFF2-40B4-BE49-F238E27FC236}">
+                <a16:creationId xmlns:a16="http://schemas.microsoft.com/office/drawing/2014/main" id="{EDCF4929-8E15-2946-A5F9-DA485C53C489}"/>
+              </a:ext>
+            </a:extLst>
+          </p:cNvPr>
+          <p:cNvCxnSpPr>
+            <a:cxnSpLocks/>
+            <a:stCxn id="8" idx="2"/>
+            <a:endCxn id="14" idx="0"/>
+          </p:cNvCxnSpPr>
+          <p:nvPr/>
+        </p:nvCxnSpPr>
+        <p:spPr>
+          <a:xfrm>
+            <a:off x="2926491" y="3268359"/>
+            <a:ext cx="2469291" cy="919889"/>
+          </a:xfrm>
+          <a:prstGeom prst="straightConnector1">
+            <a:avLst/>
+          </a:prstGeom>
+          <a:ln w="12700">
+            <a:tailEnd type="triangle"/>
+          </a:ln>
+        </p:spPr>
+        <p:style>
+          <a:lnRef idx="1">
+            <a:schemeClr val="dk1"/>
+          </a:lnRef>
+          <a:fillRef idx="0">
+            <a:schemeClr val="dk1"/>
+          </a:fillRef>
+          <a:effectRef idx="0">
+            <a:schemeClr val="dk1"/>
+          </a:effectRef>
+          <a:fontRef idx="minor">
+            <a:schemeClr val="tx1"/>
+          </a:fontRef>
+        </p:style>
+      </p:cxnSp>
+      <p:cxnSp>
+        <p:nvCxnSpPr>
+          <p:cNvPr id="49" name="直線矢印コネクタ 48">
+            <a:extLst>
+              <a:ext uri="{FF2B5EF4-FFF2-40B4-BE49-F238E27FC236}">
+                <a16:creationId xmlns:a16="http://schemas.microsoft.com/office/drawing/2014/main" id="{33AE699A-26DD-024B-86D2-62C7DB5632E3}"/>
+              </a:ext>
+            </a:extLst>
+          </p:cNvPr>
+          <p:cNvCxnSpPr>
+            <a:cxnSpLocks/>
+            <a:stCxn id="9" idx="2"/>
+            <a:endCxn id="11" idx="0"/>
+          </p:cNvCxnSpPr>
+          <p:nvPr/>
+        </p:nvCxnSpPr>
+        <p:spPr>
+          <a:xfrm flipH="1">
+            <a:off x="5395783" y="2823516"/>
+            <a:ext cx="930875" cy="451022"/>
+          </a:xfrm>
+          <a:prstGeom prst="straightConnector1">
+            <a:avLst/>
+          </a:prstGeom>
+          <a:ln w="12700">
+            <a:tailEnd type="triangle"/>
+          </a:ln>
+        </p:spPr>
+        <p:style>
+          <a:lnRef idx="1">
+            <a:schemeClr val="dk1"/>
+          </a:lnRef>
+          <a:fillRef idx="0">
+            <a:schemeClr val="dk1"/>
+          </a:fillRef>
+          <a:effectRef idx="0">
+            <a:schemeClr val="dk1"/>
+          </a:effectRef>
+          <a:fontRef idx="minor">
+            <a:schemeClr val="tx1"/>
+          </a:fontRef>
+        </p:style>
+      </p:cxnSp>
+      <p:cxnSp>
+        <p:nvCxnSpPr>
+          <p:cNvPr id="53" name="直線矢印コネクタ 52">
+            <a:extLst>
+              <a:ext uri="{FF2B5EF4-FFF2-40B4-BE49-F238E27FC236}">
+                <a16:creationId xmlns:a16="http://schemas.microsoft.com/office/drawing/2014/main" id="{3BEFB7F0-36A6-5F4D-8B46-378DE2A0A70B}"/>
+              </a:ext>
+            </a:extLst>
+          </p:cNvPr>
+          <p:cNvCxnSpPr>
+            <a:cxnSpLocks/>
+            <a:endCxn id="12" idx="0"/>
+          </p:cNvCxnSpPr>
+          <p:nvPr/>
+        </p:nvCxnSpPr>
+        <p:spPr>
+          <a:xfrm>
+            <a:off x="6326658" y="2844450"/>
+            <a:ext cx="770238" cy="423909"/>
+          </a:xfrm>
+          <a:prstGeom prst="straightConnector1">
+            <a:avLst/>
+          </a:prstGeom>
+          <a:ln w="12700">
+            <a:tailEnd type="triangle"/>
+          </a:ln>
+        </p:spPr>
+        <p:style>
+          <a:lnRef idx="1">
+            <a:schemeClr val="dk1"/>
+          </a:lnRef>
+          <a:fillRef idx="0">
+            <a:schemeClr val="dk1"/>
+          </a:fillRef>
+          <a:effectRef idx="0">
+            <a:schemeClr val="dk1"/>
+          </a:effectRef>
+          <a:fontRef idx="minor">
+            <a:schemeClr val="tx1"/>
+          </a:fontRef>
+        </p:style>
+      </p:cxnSp>
+      <p:cxnSp>
+        <p:nvCxnSpPr>
+          <p:cNvPr id="56" name="直線矢印コネクタ 55">
+            <a:extLst>
+              <a:ext uri="{FF2B5EF4-FFF2-40B4-BE49-F238E27FC236}">
+                <a16:creationId xmlns:a16="http://schemas.microsoft.com/office/drawing/2014/main" id="{0E93459A-52F8-564F-8983-C2954256DBF2}"/>
+              </a:ext>
+            </a:extLst>
+          </p:cNvPr>
+          <p:cNvCxnSpPr>
+            <a:cxnSpLocks/>
+            <a:stCxn id="12" idx="2"/>
+            <a:endCxn id="13" idx="0"/>
+          </p:cNvCxnSpPr>
+          <p:nvPr/>
+        </p:nvCxnSpPr>
+        <p:spPr>
+          <a:xfrm flipH="1">
+            <a:off x="7096895" y="3713202"/>
+            <a:ext cx="1" cy="475046"/>
+          </a:xfrm>
+          <a:prstGeom prst="straightConnector1">
+            <a:avLst/>
+          </a:prstGeom>
+          <a:ln w="12700">
+            <a:tailEnd type="triangle"/>
+          </a:ln>
+        </p:spPr>
+        <p:style>
+          <a:lnRef idx="1">
+            <a:schemeClr val="dk1"/>
+          </a:lnRef>
+          <a:fillRef idx="0">
+            <a:schemeClr val="dk1"/>
+          </a:fillRef>
+          <a:effectRef idx="0">
+            <a:schemeClr val="dk1"/>
+          </a:effectRef>
+          <a:fontRef idx="minor">
+            <a:schemeClr val="tx1"/>
+          </a:fontRef>
+        </p:style>
+      </p:cxnSp>
+      <p:cxnSp>
+        <p:nvCxnSpPr>
+          <p:cNvPr id="59" name="直線矢印コネクタ 58">
+            <a:extLst>
+              <a:ext uri="{FF2B5EF4-FFF2-40B4-BE49-F238E27FC236}">
+                <a16:creationId xmlns:a16="http://schemas.microsoft.com/office/drawing/2014/main" id="{327D13E8-E13E-A145-BC2A-0287CDC5AE78}"/>
+              </a:ext>
+            </a:extLst>
+          </p:cNvPr>
+          <p:cNvCxnSpPr>
+            <a:cxnSpLocks/>
+            <a:endCxn id="14" idx="0"/>
+          </p:cNvCxnSpPr>
+          <p:nvPr/>
+        </p:nvCxnSpPr>
+        <p:spPr>
+          <a:xfrm>
+            <a:off x="5395780" y="3725559"/>
+            <a:ext cx="2" cy="462689"/>
+          </a:xfrm>
+          <a:prstGeom prst="straightConnector1">
+            <a:avLst/>
+          </a:prstGeom>
+          <a:ln w="12700">
+            <a:tailEnd type="triangle"/>
+          </a:ln>
+        </p:spPr>
+        <p:style>
+          <a:lnRef idx="1">
+            <a:schemeClr val="dk1"/>
+          </a:lnRef>
+          <a:fillRef idx="0">
+            <a:schemeClr val="dk1"/>
+          </a:fillRef>
+          <a:effectRef idx="0">
+            <a:schemeClr val="dk1"/>
+          </a:effectRef>
+          <a:fontRef idx="minor">
+            <a:schemeClr val="tx1"/>
+          </a:fontRef>
+        </p:style>
+      </p:cxnSp>
+      <p:cxnSp>
+        <p:nvCxnSpPr>
+          <p:cNvPr id="63" name="直線矢印コネクタ 62">
+            <a:extLst>
+              <a:ext uri="{FF2B5EF4-FFF2-40B4-BE49-F238E27FC236}">
+                <a16:creationId xmlns:a16="http://schemas.microsoft.com/office/drawing/2014/main" id="{E40C9354-7540-AA4C-BD69-149A605ABEE2}"/>
+              </a:ext>
+            </a:extLst>
+          </p:cNvPr>
+          <p:cNvCxnSpPr>
+            <a:cxnSpLocks/>
+            <a:stCxn id="14" idx="2"/>
+            <a:endCxn id="15" idx="0"/>
+          </p:cNvCxnSpPr>
+          <p:nvPr/>
+        </p:nvCxnSpPr>
+        <p:spPr>
+          <a:xfrm>
+            <a:off x="5395782" y="4633091"/>
+            <a:ext cx="0" cy="579390"/>
+          </a:xfrm>
+          <a:prstGeom prst="straightConnector1">
+            <a:avLst/>
+          </a:prstGeom>
+          <a:ln w="12700">
+            <a:tailEnd type="triangle"/>
+          </a:ln>
+        </p:spPr>
+        <p:style>
+          <a:lnRef idx="1">
+            <a:schemeClr val="dk1"/>
+          </a:lnRef>
+          <a:fillRef idx="0">
+            <a:schemeClr val="dk1"/>
+          </a:fillRef>
+          <a:effectRef idx="0">
+            <a:schemeClr val="dk1"/>
+          </a:effectRef>
+          <a:fontRef idx="minor">
+            <a:schemeClr val="tx1"/>
+          </a:fontRef>
+        </p:style>
+      </p:cxnSp>
+      <p:cxnSp>
+        <p:nvCxnSpPr>
+          <p:cNvPr id="66" name="直線矢印コネクタ 65">
+            <a:extLst>
+              <a:ext uri="{FF2B5EF4-FFF2-40B4-BE49-F238E27FC236}">
+                <a16:creationId xmlns:a16="http://schemas.microsoft.com/office/drawing/2014/main" id="{4A97FAA4-CB40-A348-AAA3-A53DE2D39860}"/>
+              </a:ext>
+            </a:extLst>
+          </p:cNvPr>
+          <p:cNvCxnSpPr>
+            <a:cxnSpLocks/>
+            <a:stCxn id="17" idx="2"/>
+            <a:endCxn id="18" idx="0"/>
+          </p:cNvCxnSpPr>
+          <p:nvPr/>
+        </p:nvCxnSpPr>
+        <p:spPr>
+          <a:xfrm>
+            <a:off x="1208901" y="4627602"/>
+            <a:ext cx="1091515" cy="586946"/>
+          </a:xfrm>
+          <a:prstGeom prst="straightConnector1">
+            <a:avLst/>
+          </a:prstGeom>
+          <a:ln w="12700">
+            <a:tailEnd type="triangle"/>
+          </a:ln>
+        </p:spPr>
+        <p:style>
+          <a:lnRef idx="1">
+            <a:schemeClr val="dk1"/>
+          </a:lnRef>
+          <a:fillRef idx="0">
+            <a:schemeClr val="dk1"/>
+          </a:fillRef>
+          <a:effectRef idx="0">
+            <a:schemeClr val="dk1"/>
+          </a:effectRef>
+          <a:fontRef idx="minor">
+            <a:schemeClr val="tx1"/>
+          </a:fontRef>
+        </p:style>
+      </p:cxnSp>
+      <p:cxnSp>
+        <p:nvCxnSpPr>
+          <p:cNvPr id="69" name="直線矢印コネクタ 68">
+            <a:extLst>
+              <a:ext uri="{FF2B5EF4-FFF2-40B4-BE49-F238E27FC236}">
+                <a16:creationId xmlns:a16="http://schemas.microsoft.com/office/drawing/2014/main" id="{F3121437-5B19-8D40-87C7-D5C52AD44543}"/>
+              </a:ext>
+            </a:extLst>
+          </p:cNvPr>
+          <p:cNvCxnSpPr>
+            <a:cxnSpLocks/>
+            <a:stCxn id="16" idx="2"/>
+            <a:endCxn id="18" idx="0"/>
+          </p:cNvCxnSpPr>
+          <p:nvPr/>
+        </p:nvCxnSpPr>
+        <p:spPr>
+          <a:xfrm flipH="1">
+            <a:off x="2300416" y="4627602"/>
+            <a:ext cx="992658" cy="586946"/>
+          </a:xfrm>
+          <a:prstGeom prst="straightConnector1">
+            <a:avLst/>
+          </a:prstGeom>
+          <a:ln w="12700">
+            <a:tailEnd type="triangle"/>
+          </a:ln>
+        </p:spPr>
+        <p:style>
+          <a:lnRef idx="1">
+            <a:schemeClr val="dk1"/>
+          </a:lnRef>
+          <a:fillRef idx="0">
+            <a:schemeClr val="dk1"/>
+          </a:fillRef>
+          <a:effectRef idx="0">
+            <a:schemeClr val="dk1"/>
+          </a:effectRef>
+          <a:fontRef idx="minor">
+            <a:schemeClr val="tx1"/>
+          </a:fontRef>
+        </p:style>
+      </p:cxnSp>
+      <p:cxnSp>
+        <p:nvCxnSpPr>
+          <p:cNvPr id="72" name="直線矢印コネクタ 71">
+            <a:extLst>
+              <a:ext uri="{FF2B5EF4-FFF2-40B4-BE49-F238E27FC236}">
+                <a16:creationId xmlns:a16="http://schemas.microsoft.com/office/drawing/2014/main" id="{C227057C-472C-1F4F-9E48-76251C041C4F}"/>
+              </a:ext>
+            </a:extLst>
+          </p:cNvPr>
+          <p:cNvCxnSpPr>
+            <a:cxnSpLocks/>
+            <a:stCxn id="18" idx="3"/>
+            <a:endCxn id="15" idx="1"/>
+          </p:cNvCxnSpPr>
+          <p:nvPr/>
+        </p:nvCxnSpPr>
+        <p:spPr>
+          <a:xfrm flipV="1">
+            <a:off x="2926491" y="5434903"/>
+            <a:ext cx="1921474" cy="2067"/>
+          </a:xfrm>
+          <a:prstGeom prst="straightConnector1">
+            <a:avLst/>
+          </a:prstGeom>
+          <a:ln w="12700">
+            <a:tailEnd type="triangle"/>
+          </a:ln>
+        </p:spPr>
+        <p:style>
+          <a:lnRef idx="1">
+            <a:schemeClr val="dk1"/>
+          </a:lnRef>
+          <a:fillRef idx="0">
+            <a:schemeClr val="dk1"/>
+          </a:fillRef>
+          <a:effectRef idx="0">
+            <a:schemeClr val="dk1"/>
+          </a:effectRef>
+          <a:fontRef idx="minor">
+            <a:schemeClr val="tx1"/>
+          </a:fontRef>
+        </p:style>
+      </p:cxnSp>
+      <p:cxnSp>
+        <p:nvCxnSpPr>
+          <p:cNvPr id="77" name="直線矢印コネクタ 76">
+            <a:extLst>
+              <a:ext uri="{FF2B5EF4-FFF2-40B4-BE49-F238E27FC236}">
+                <a16:creationId xmlns:a16="http://schemas.microsoft.com/office/drawing/2014/main" id="{260AFDFC-9AF1-2643-A08D-A962F50C030F}"/>
+              </a:ext>
+            </a:extLst>
+          </p:cNvPr>
+          <p:cNvCxnSpPr>
+            <a:cxnSpLocks/>
+            <a:stCxn id="18" idx="2"/>
+            <a:endCxn id="19" idx="0"/>
+          </p:cNvCxnSpPr>
+          <p:nvPr/>
+        </p:nvCxnSpPr>
+        <p:spPr>
+          <a:xfrm flipH="1">
+            <a:off x="2300415" y="5659391"/>
+            <a:ext cx="1" cy="364524"/>
+          </a:xfrm>
+          <a:prstGeom prst="straightConnector1">
+            <a:avLst/>
+          </a:prstGeom>
+          <a:ln w="12700">
+            <a:tailEnd type="triangle"/>
+          </a:ln>
+        </p:spPr>
+        <p:style>
+          <a:lnRef idx="1">
+            <a:schemeClr val="dk1"/>
+          </a:lnRef>
+          <a:fillRef idx="0">
+            <a:schemeClr val="dk1"/>
+          </a:fillRef>
+          <a:effectRef idx="0">
+            <a:schemeClr val="dk1"/>
+          </a:effectRef>
+          <a:fontRef idx="minor">
+            <a:schemeClr val="tx1"/>
+          </a:fontRef>
+        </p:style>
+      </p:cxnSp>
     </p:spTree>
     <p:extLst>
       <p:ext uri="{BB962C8B-B14F-4D97-AF65-F5344CB8AC3E}">
